--- a/Documenten/Presentatie_3Js_Gokkers.pptx
+++ b/Documenten/Presentatie_3Js_Gokkers.pptx
@@ -4504,6 +4504,52 @@
             <a:r>
               <a:rPr lang="nl-NL" dirty="0"/>
               <a:t>Project  de Gokkers</a:t>
+            </a:r>
+          </a:p>
+        </p:txBody>
+      </p:sp>
+      <p:sp>
+        <p:nvSpPr>
+          <p:cNvPr id="4" name="Tekstvak 3"/>
+          <p:cNvSpPr txBox="1"/>
+          <p:nvPr/>
+        </p:nvSpPr>
+        <p:spPr>
+          <a:xfrm>
+            <a:off x="3140364" y="4802909"/>
+            <a:ext cx="5412509" cy="923330"/>
+          </a:xfrm>
+          <a:prstGeom prst="rect">
+            <a:avLst/>
+          </a:prstGeom>
+          <a:noFill/>
+        </p:spPr>
+        <p:txBody>
+          <a:bodyPr wrap="square" rtlCol="0">
+            <a:spAutoFit/>
+          </a:bodyPr>
+          <a:lstStyle/>
+          <a:p>
+            <a:r>
+              <a:rPr lang="nl-NL" dirty="0"/>
+              <a:t>Jean-Pierre Slimmen</a:t>
+            </a:r>
+          </a:p>
+          <a:p>
+            <a:r>
+              <a:rPr lang="nl-NL" dirty="0"/>
+              <a:t>Joey </a:t>
+            </a:r>
+            <a:r>
+              <a:rPr lang="nl-NL" dirty="0" err="1"/>
+              <a:t>Oonixc</a:t>
+            </a:r>
+            <a:endParaRPr lang="nl-NL" dirty="0"/>
+          </a:p>
+          <a:p>
+            <a:r>
+              <a:rPr lang="nl-NL" dirty="0"/>
+              <a:t>Joost Lont</a:t>
             </a:r>
           </a:p>
         </p:txBody>
